--- a/ezrawong/wireframe_3.pptx
+++ b/ezrawong/wireframe_3.pptx
@@ -128,12 +128,12 @@
   <pc:docChgLst>
     <pc:chgData name="TY Wong" userId="0b9eebbcdef70a81" providerId="LiveId" clId="{EB6D3BEC-6354-419F-A417-EE29252D3AF2}"/>
     <pc:docChg chg="undo custSel modSld">
-      <pc:chgData name="TY Wong" userId="0b9eebbcdef70a81" providerId="LiveId" clId="{EB6D3BEC-6354-419F-A417-EE29252D3AF2}" dt="2023-06-14T15:06:04.101" v="163" actId="14734"/>
+      <pc:chgData name="TY Wong" userId="0b9eebbcdef70a81" providerId="LiveId" clId="{EB6D3BEC-6354-419F-A417-EE29252D3AF2}" dt="2023-06-17T02:26:02.491" v="169" actId="14734"/>
       <pc:docMkLst>
         <pc:docMk/>
       </pc:docMkLst>
       <pc:sldChg chg="addSp delSp modSp mod">
-        <pc:chgData name="TY Wong" userId="0b9eebbcdef70a81" providerId="LiveId" clId="{EB6D3BEC-6354-419F-A417-EE29252D3AF2}" dt="2023-06-14T15:06:04.101" v="163" actId="14734"/>
+        <pc:chgData name="TY Wong" userId="0b9eebbcdef70a81" providerId="LiveId" clId="{EB6D3BEC-6354-419F-A417-EE29252D3AF2}" dt="2023-06-17T02:26:02.491" v="169" actId="14734"/>
         <pc:sldMkLst>
           <pc:docMk/>
           <pc:sldMk cId="1354110559" sldId="256"/>
@@ -251,7 +251,7 @@
           </ac:spMkLst>
         </pc:spChg>
         <pc:graphicFrameChg chg="add mod modGraphic">
-          <ac:chgData name="TY Wong" userId="0b9eebbcdef70a81" providerId="LiveId" clId="{EB6D3BEC-6354-419F-A417-EE29252D3AF2}" dt="2023-06-14T15:06:04.101" v="163" actId="14734"/>
+          <ac:chgData name="TY Wong" userId="0b9eebbcdef70a81" providerId="LiveId" clId="{EB6D3BEC-6354-419F-A417-EE29252D3AF2}" dt="2023-06-17T02:26:02.491" v="169" actId="14734"/>
           <ac:graphicFrameMkLst>
             <pc:docMk/>
             <pc:sldMk cId="1354110559" sldId="256"/>
@@ -378,7 +378,7 @@
           <a:p>
             <a:fld id="{44CCFB8E-D1C6-4449-B50E-636979C979E4}" type="datetimeFigureOut">
               <a:rPr lang="en-HK" smtClean="0"/>
-              <a:t>14/6/2023</a:t>
+              <a:t>17/6/2023</a:t>
             </a:fld>
             <a:endParaRPr lang="en-HK"/>
           </a:p>
@@ -777,7 +777,7 @@
           <a:p>
             <a:fld id="{D589849A-37D9-473D-AD5D-C28BC06494D3}" type="datetimeFigureOut">
               <a:rPr lang="en-HK" smtClean="0"/>
-              <a:t>14/6/2023</a:t>
+              <a:t>17/6/2023</a:t>
             </a:fld>
             <a:endParaRPr lang="en-HK"/>
           </a:p>
@@ -947,7 +947,7 @@
           <a:p>
             <a:fld id="{D589849A-37D9-473D-AD5D-C28BC06494D3}" type="datetimeFigureOut">
               <a:rPr lang="en-HK" smtClean="0"/>
-              <a:t>14/6/2023</a:t>
+              <a:t>17/6/2023</a:t>
             </a:fld>
             <a:endParaRPr lang="en-HK"/>
           </a:p>
@@ -1127,7 +1127,7 @@
           <a:p>
             <a:fld id="{D589849A-37D9-473D-AD5D-C28BC06494D3}" type="datetimeFigureOut">
               <a:rPr lang="en-HK" smtClean="0"/>
-              <a:t>14/6/2023</a:t>
+              <a:t>17/6/2023</a:t>
             </a:fld>
             <a:endParaRPr lang="en-HK"/>
           </a:p>
@@ -1297,7 +1297,7 @@
           <a:p>
             <a:fld id="{D589849A-37D9-473D-AD5D-C28BC06494D3}" type="datetimeFigureOut">
               <a:rPr lang="en-HK" smtClean="0"/>
-              <a:t>14/6/2023</a:t>
+              <a:t>17/6/2023</a:t>
             </a:fld>
             <a:endParaRPr lang="en-HK"/>
           </a:p>
@@ -1541,7 +1541,7 @@
           <a:p>
             <a:fld id="{D589849A-37D9-473D-AD5D-C28BC06494D3}" type="datetimeFigureOut">
               <a:rPr lang="en-HK" smtClean="0"/>
-              <a:t>14/6/2023</a:t>
+              <a:t>17/6/2023</a:t>
             </a:fld>
             <a:endParaRPr lang="en-HK"/>
           </a:p>
@@ -1773,7 +1773,7 @@
           <a:p>
             <a:fld id="{D589849A-37D9-473D-AD5D-C28BC06494D3}" type="datetimeFigureOut">
               <a:rPr lang="en-HK" smtClean="0"/>
-              <a:t>14/6/2023</a:t>
+              <a:t>17/6/2023</a:t>
             </a:fld>
             <a:endParaRPr lang="en-HK"/>
           </a:p>
@@ -2140,7 +2140,7 @@
           <a:p>
             <a:fld id="{D589849A-37D9-473D-AD5D-C28BC06494D3}" type="datetimeFigureOut">
               <a:rPr lang="en-HK" smtClean="0"/>
-              <a:t>14/6/2023</a:t>
+              <a:t>17/6/2023</a:t>
             </a:fld>
             <a:endParaRPr lang="en-HK"/>
           </a:p>
@@ -2258,7 +2258,7 @@
           <a:p>
             <a:fld id="{D589849A-37D9-473D-AD5D-C28BC06494D3}" type="datetimeFigureOut">
               <a:rPr lang="en-HK" smtClean="0"/>
-              <a:t>14/6/2023</a:t>
+              <a:t>17/6/2023</a:t>
             </a:fld>
             <a:endParaRPr lang="en-HK"/>
           </a:p>
@@ -2353,7 +2353,7 @@
           <a:p>
             <a:fld id="{D589849A-37D9-473D-AD5D-C28BC06494D3}" type="datetimeFigureOut">
               <a:rPr lang="en-HK" smtClean="0"/>
-              <a:t>14/6/2023</a:t>
+              <a:t>17/6/2023</a:t>
             </a:fld>
             <a:endParaRPr lang="en-HK"/>
           </a:p>
@@ -2630,7 +2630,7 @@
           <a:p>
             <a:fld id="{D589849A-37D9-473D-AD5D-C28BC06494D3}" type="datetimeFigureOut">
               <a:rPr lang="en-HK" smtClean="0"/>
-              <a:t>14/6/2023</a:t>
+              <a:t>17/6/2023</a:t>
             </a:fld>
             <a:endParaRPr lang="en-HK"/>
           </a:p>
@@ -2887,7 +2887,7 @@
           <a:p>
             <a:fld id="{D589849A-37D9-473D-AD5D-C28BC06494D3}" type="datetimeFigureOut">
               <a:rPr lang="en-HK" smtClean="0"/>
-              <a:t>14/6/2023</a:t>
+              <a:t>17/6/2023</a:t>
             </a:fld>
             <a:endParaRPr lang="en-HK"/>
           </a:p>
@@ -3100,7 +3100,7 @@
           <a:p>
             <a:fld id="{D589849A-37D9-473D-AD5D-C28BC06494D3}" type="datetimeFigureOut">
               <a:rPr lang="en-HK" smtClean="0"/>
-              <a:t>14/6/2023</a:t>
+              <a:t>17/6/2023</a:t>
             </a:fld>
             <a:endParaRPr lang="en-HK"/>
           </a:p>
@@ -3925,21 +3925,21 @@
           <p:nvPr>
             <p:extLst>
               <p:ext uri="{D42A27DB-BD31-4B8C-83A1-F6EECF244321}">
-                <p14:modId xmlns:p14="http://schemas.microsoft.com/office/powerpoint/2010/main" val="1488372100"/>
+                <p14:modId xmlns:p14="http://schemas.microsoft.com/office/powerpoint/2010/main" val="4257433550"/>
               </p:ext>
             </p:extLst>
           </p:nvPr>
         </p:nvGraphicFramePr>
         <p:xfrm>
-          <a:off x="-7325" y="11586042"/>
-          <a:ext cx="6889388" cy="605958"/>
+          <a:off x="51239" y="11586042"/>
+          <a:ext cx="6750614" cy="605958"/>
         </p:xfrm>
         <a:graphic>
           <a:graphicData uri="http://schemas.openxmlformats.org/drawingml/2006/table">
             <a:tbl>
               <a:tblPr/>
               <a:tblGrid>
-                <a:gridCol w="6889388">
+                <a:gridCol w="6750614">
                   <a:extLst>
                     <a:ext uri="{9D8B030D-6E8A-4147-A177-3AD203B41FA5}">
                       <a16:colId xmlns:a16="http://schemas.microsoft.com/office/drawing/2014/main" val="1847884095"/>
